--- a/IBM intership ppt.pptx
+++ b/IBM intership ppt.pptx
@@ -5,7 +5,7 @@
     <p:sldMasterId id="2147483712" r:id="rId4"/>
   </p:sldMasterIdLst>
   <p:notesMasterIdLst>
-    <p:notesMasterId r:id="rId25"/>
+    <p:notesMasterId r:id="rId26"/>
   </p:notesMasterIdLst>
   <p:sldIdLst>
     <p:sldId id="256" r:id="rId5"/>
@@ -27,7 +27,8 @@
     <p:sldId id="2146847059" r:id="rId21"/>
     <p:sldId id="2146847060" r:id="rId22"/>
     <p:sldId id="2146847061" r:id="rId23"/>
-    <p:sldId id="259" r:id="rId24"/>
+    <p:sldId id="2146847068" r:id="rId24"/>
+    <p:sldId id="259" r:id="rId25"/>
   </p:sldIdLst>
   <p:sldSz cx="12192000" cy="6858000"/>
   <p:notesSz cx="6858000" cy="9144000"/>
@@ -137,11 +138,46 @@
 <file path=ppt/revisionInfo.xml><?xml version="1.0" encoding="utf-8"?>
 <p1510:revInfo xmlns:a="http://schemas.openxmlformats.org/drawingml/2006/main" xmlns:r="http://schemas.openxmlformats.org/officeDocument/2006/relationships" xmlns:p1510="http://schemas.microsoft.com/office/powerpoint/2015/10/main">
   <p1510:revLst>
-    <p1510:client id="{0A2B98E8-7AC3-75BD-DBFE-38A4BBF4F439}" v="10" dt="2024-01-05T12:23:35.348"/>
-    <p1510:client id="{12466EFC-1F62-CA2C-07B1-96111B302B1B}" v="154" dt="2023-11-22T13:37:01.483"/>
-    <p1510:client id="{47C7BCB7-7546-3717-E035-B2126C89CD1A}" v="2" dt="2023-11-22T12:55:27.328"/>
+    <p1510:client id="{657CE8C9-0D61-4606-95A3-1E28B31C3008}" v="2" dt="2025-08-04T07:53:51.833"/>
   </p1510:revLst>
 </p1510:revInfo>
+</file>
+
+<file path=ppt/changesInfos/changesInfo1.xml><?xml version="1.0" encoding="utf-8"?>
+<pc:chgInfo xmlns:a="http://schemas.openxmlformats.org/drawingml/2006/main" xmlns:r="http://schemas.openxmlformats.org/officeDocument/2006/relationships" xmlns:ac="http://schemas.microsoft.com/office/drawing/2013/main/command" xmlns:pc="http://schemas.microsoft.com/office/powerpoint/2013/main/command">
+  <pc:docChgLst>
+    <pc:chgData name="Vishal Negi" userId="256a69dc09236d0a" providerId="LiveId" clId="{657CE8C9-0D61-4606-95A3-1E28B31C3008}"/>
+    <pc:docChg chg="custSel addSld modSld sldOrd">
+      <pc:chgData name="Vishal Negi" userId="256a69dc09236d0a" providerId="LiveId" clId="{657CE8C9-0D61-4606-95A3-1E28B31C3008}" dt="2025-08-04T07:54:15.024" v="24" actId="255"/>
+      <pc:docMkLst>
+        <pc:docMk/>
+      </pc:docMkLst>
+      <pc:sldChg chg="addSp delSp modSp add mod ord">
+        <pc:chgData name="Vishal Negi" userId="256a69dc09236d0a" providerId="LiveId" clId="{657CE8C9-0D61-4606-95A3-1E28B31C3008}" dt="2025-08-04T07:54:15.024" v="24" actId="255"/>
+        <pc:sldMkLst>
+          <pc:docMk/>
+          <pc:sldMk cId="1939027700" sldId="2146847068"/>
+        </pc:sldMkLst>
+        <pc:spChg chg="add mod">
+          <ac:chgData name="Vishal Negi" userId="256a69dc09236d0a" providerId="LiveId" clId="{657CE8C9-0D61-4606-95A3-1E28B31C3008}" dt="2025-08-04T07:54:15.024" v="24" actId="255"/>
+          <ac:spMkLst>
+            <pc:docMk/>
+            <pc:sldMk cId="1939027700" sldId="2146847068"/>
+            <ac:spMk id="2" creationId="{99E04805-38E2-C175-B3C0-445D7945DDC4}"/>
+          </ac:spMkLst>
+        </pc:spChg>
+        <pc:spChg chg="del mod">
+          <ac:chgData name="Vishal Negi" userId="256a69dc09236d0a" providerId="LiveId" clId="{657CE8C9-0D61-4606-95A3-1E28B31C3008}" dt="2025-08-04T07:53:28.037" v="4" actId="21"/>
+          <ac:spMkLst>
+            <pc:docMk/>
+            <pc:sldMk cId="1939027700" sldId="2146847068"/>
+            <ac:spMk id="5" creationId="{CD815CE6-141E-9E99-9904-2D1DD2D6B224}"/>
+          </ac:spMkLst>
+        </pc:spChg>
+      </pc:sldChg>
+    </pc:docChg>
+  </pc:docChgLst>
+</pc:chgInfo>
 </file>
 
 <file path=ppt/notesMasters/notesMaster1.xml><?xml version="1.0" encoding="utf-8"?>
@@ -6851,6 +6887,98 @@
 </file>
 
 <file path=ppt/slides/slide20.xml><?xml version="1.0" encoding="utf-8"?>
+<p:sld xmlns:a="http://schemas.openxmlformats.org/drawingml/2006/main" xmlns:r="http://schemas.openxmlformats.org/officeDocument/2006/relationships" xmlns:p="http://schemas.openxmlformats.org/presentationml/2006/main">
+  <p:cSld>
+    <p:spTree>
+      <p:nvGrpSpPr>
+        <p:cNvPr id="1" name="">
+          <a:extLst>
+            <a:ext uri="{FF2B5EF4-FFF2-40B4-BE49-F238E27FC236}">
+              <a16:creationId xmlns:a16="http://schemas.microsoft.com/office/drawing/2014/main" id="{9B03606C-7E4F-EDF0-6E6B-B20F61FA0118}"/>
+            </a:ext>
+          </a:extLst>
+        </p:cNvPr>
+        <p:cNvGrpSpPr/>
+        <p:nvPr/>
+      </p:nvGrpSpPr>
+      <p:grpSpPr>
+        <a:xfrm>
+          <a:off x="0" y="0"/>
+          <a:ext cx="0" cy="0"/>
+          <a:chOff x="0" y="0"/>
+          <a:chExt cx="0" cy="0"/>
+        </a:xfrm>
+      </p:grpSpPr>
+      <p:sp>
+        <p:nvSpPr>
+          <p:cNvPr id="2" name="TextBox 1">
+            <a:extLst>
+              <a:ext uri="{FF2B5EF4-FFF2-40B4-BE49-F238E27FC236}">
+                <a16:creationId xmlns:a16="http://schemas.microsoft.com/office/drawing/2014/main" id="{99E04805-38E2-C175-B3C0-445D7945DDC4}"/>
+              </a:ext>
+            </a:extLst>
+          </p:cNvPr>
+          <p:cNvSpPr txBox="1"/>
+          <p:nvPr/>
+        </p:nvSpPr>
+        <p:spPr>
+          <a:xfrm>
+            <a:off x="1347019" y="2851355"/>
+            <a:ext cx="9979742" cy="523220"/>
+          </a:xfrm>
+          <a:prstGeom prst="rect">
+            <a:avLst/>
+          </a:prstGeom>
+          <a:noFill/>
+        </p:spPr>
+        <p:txBody>
+          <a:bodyPr wrap="square" rtlCol="0">
+            <a:spAutoFit/>
+          </a:bodyPr>
+          <a:lstStyle/>
+          <a:p>
+            <a:r>
+              <a:rPr lang="en-IN" sz="2800" b="1" dirty="0" err="1"/>
+              <a:t>Github</a:t>
+            </a:r>
+            <a:r>
+              <a:rPr lang="en-IN" sz="2800" b="1" dirty="0"/>
+              <a:t> Link </a:t>
+            </a:r>
+            <a:r>
+              <a:rPr lang="en-IN" sz="2800" dirty="0"/>
+              <a:t>: </a:t>
+            </a:r>
+            <a:r>
+              <a:rPr lang="en-IN" sz="2800" dirty="0">
+                <a:hlinkClick r:id="rId2"/>
+              </a:rPr>
+              <a:t>VishalNegi21/</a:t>
+            </a:r>
+            <a:r>
+              <a:rPr lang="en-IN" sz="2800" dirty="0" err="1">
+                <a:hlinkClick r:id="rId2"/>
+              </a:rPr>
+              <a:t>IBM_internship</a:t>
+            </a:r>
+            <a:endParaRPr lang="en-IN" sz="2800" dirty="0"/>
+          </a:p>
+        </p:txBody>
+      </p:sp>
+    </p:spTree>
+    <p:extLst>
+      <p:ext uri="{BB962C8B-B14F-4D97-AF65-F5344CB8AC3E}">
+        <p14:creationId xmlns:p14="http://schemas.microsoft.com/office/powerpoint/2010/main" val="1939027700"/>
+      </p:ext>
+    </p:extLst>
+  </p:cSld>
+  <p:clrMapOvr>
+    <a:masterClrMapping/>
+  </p:clrMapOvr>
+</p:sld>
+</file>
+
+<file path=ppt/slides/slide21.xml><?xml version="1.0" encoding="utf-8"?>
 <p:sld xmlns:a="http://schemas.openxmlformats.org/drawingml/2006/main" xmlns:r="http://schemas.openxmlformats.org/officeDocument/2006/relationships" xmlns:p="http://schemas.openxmlformats.org/presentationml/2006/main">
   <p:cSld>
     <p:spTree>
@@ -9622,21 +9750,21 @@
 </file>
 
 <file path=customXml/item1.xml><?xml version="1.0" encoding="utf-8"?>
+<p:properties xmlns:p="http://schemas.microsoft.com/office/2006/metadata/properties" xmlns:xsi="http://www.w3.org/2001/XMLSchema-instance" xmlns:pc="http://schemas.microsoft.com/office/infopath/2007/PartnerControls">
+  <documentManagement>
+    <MediaServiceKeyPoints xmlns="9162bd5b-4ed9-4da3-b376-05204580ba3f" xsi:nil="true"/>
+    <_activity xmlns="9162bd5b-4ed9-4da3-b376-05204580ba3f" xsi:nil="true"/>
+  </documentManagement>
+</p:properties>
+</file>
+
+<file path=customXml/item2.xml><?xml version="1.0" encoding="utf-8"?>
 <?mso-contentType ?>
 <FormTemplates xmlns="http://schemas.microsoft.com/sharepoint/v3/contenttype/forms">
   <Display>DocumentLibraryForm</Display>
   <Edit>DocumentLibraryForm</Edit>
   <New>DocumentLibraryForm</New>
 </FormTemplates>
-</file>
-
-<file path=customXml/item2.xml><?xml version="1.0" encoding="utf-8"?>
-<p:properties xmlns:p="http://schemas.microsoft.com/office/2006/metadata/properties" xmlns:xsi="http://www.w3.org/2001/XMLSchema-instance" xmlns:pc="http://schemas.microsoft.com/office/infopath/2007/PartnerControls">
-  <documentManagement>
-    <MediaServiceKeyPoints xmlns="9162bd5b-4ed9-4da3-b376-05204580ba3f" xsi:nil="true"/>
-    <_activity xmlns="9162bd5b-4ed9-4da3-b376-05204580ba3f" xsi:nil="true"/>
-  </documentManagement>
-</p:properties>
 </file>
 
 <file path=customXml/item3.xml><?xml version="1.0" encoding="utf-8"?>
@@ -9887,14 +10015,6 @@
 </file>
 
 <file path=customXml/itemProps1.xml><?xml version="1.0" encoding="utf-8"?>
-<ds:datastoreItem xmlns:ds="http://schemas.openxmlformats.org/officeDocument/2006/customXml" ds:itemID="{927BD4C1-B6B1-4715-ABF9-E660A51A4EA0}">
-  <ds:schemaRefs>
-    <ds:schemaRef ds:uri="http://schemas.microsoft.com/sharepoint/v3/contenttype/forms"/>
-  </ds:schemaRefs>
-</ds:datastoreItem>
-</file>
-
-<file path=customXml/itemProps2.xml><?xml version="1.0" encoding="utf-8"?>
 <ds:datastoreItem xmlns:ds="http://schemas.openxmlformats.org/officeDocument/2006/customXml" ds:itemID="{8D289AE2-D2AE-49D1-AFAC-3A79F6794255}">
   <ds:schemaRefs>
     <ds:schemaRef ds:uri="9162bd5b-4ed9-4da3-b376-05204580ba3f"/>
@@ -9907,6 +10027,14 @@
     <ds:schemaRef ds:uri="http://schemas.microsoft.com/office/infopath/2007/PartnerControls"/>
     <ds:schemaRef ds:uri="http://schemas.openxmlformats.org/package/2006/metadata/core-properties"/>
     <ds:schemaRef ds:uri="http://www.w3.org/XML/1998/namespace"/>
+  </ds:schemaRefs>
+</ds:datastoreItem>
+</file>
+
+<file path=customXml/itemProps2.xml><?xml version="1.0" encoding="utf-8"?>
+<ds:datastoreItem xmlns:ds="http://schemas.openxmlformats.org/officeDocument/2006/customXml" ds:itemID="{927BD4C1-B6B1-4715-ABF9-E660A51A4EA0}">
+  <ds:schemaRefs>
+    <ds:schemaRef ds:uri="http://schemas.microsoft.com/sharepoint/v3/contenttype/forms"/>
   </ds:schemaRefs>
 </ds:datastoreItem>
 </file>
